--- a/Thesis/figures/ionchamber_in_flask.pptx
+++ b/Thesis/figures/ionchamber_in_flask.pptx
@@ -104,7 +104,137 @@
       </a:defRPr>
     </a:lvl9pPr>
   </p:defaultTextStyle>
+  <p:extLst>
+    <p:ext uri="{EFAFB233-063F-42B5-8137-9DF3F51BA10A}">
+      <p15:sldGuideLst xmlns:p15="http://schemas.microsoft.com/office/powerpoint/2012/main"/>
+    </p:ext>
+  </p:extLst>
 </p:presentation>
+</file>
+
+<file path=ppt/changesInfos/changesInfo1.xml><?xml version="1.0" encoding="utf-8"?>
+<pc:chgInfo xmlns:a="http://schemas.openxmlformats.org/drawingml/2006/main" xmlns:r="http://schemas.openxmlformats.org/officeDocument/2006/relationships" xmlns:ac="http://schemas.microsoft.com/office/drawing/2013/main/command" xmlns:pc="http://schemas.microsoft.com/office/powerpoint/2013/main/command">
+  <pc:docChgLst>
+    <pc:chgData name="Jacob Lie" userId="bdcf7bb32438130b" providerId="LiveId" clId="{60A3B0E6-5382-4C84-8AD6-2FA89F9A043C}"/>
+    <pc:docChg chg="modSld">
+      <pc:chgData name="Jacob Lie" userId="bdcf7bb32438130b" providerId="LiveId" clId="{60A3B0E6-5382-4C84-8AD6-2FA89F9A043C}" dt="2022-03-29T15:25:22.908" v="31" actId="1076"/>
+      <pc:docMkLst>
+        <pc:docMk/>
+      </pc:docMkLst>
+      <pc:sldChg chg="modSp mod">
+        <pc:chgData name="Jacob Lie" userId="bdcf7bb32438130b" providerId="LiveId" clId="{60A3B0E6-5382-4C84-8AD6-2FA89F9A043C}" dt="2022-03-29T15:25:22.908" v="31" actId="1076"/>
+        <pc:sldMkLst>
+          <pc:docMk/>
+          <pc:sldMk cId="3974434827" sldId="256"/>
+        </pc:sldMkLst>
+        <pc:spChg chg="mod">
+          <ac:chgData name="Jacob Lie" userId="bdcf7bb32438130b" providerId="LiveId" clId="{60A3B0E6-5382-4C84-8AD6-2FA89F9A043C}" dt="2022-03-29T15:23:38.212" v="6" actId="688"/>
+          <ac:spMkLst>
+            <pc:docMk/>
+            <pc:sldMk cId="3974434827" sldId="256"/>
+            <ac:spMk id="34" creationId="{351AF00A-BE98-4C22-AA7C-4833D88B47EE}"/>
+          </ac:spMkLst>
+        </pc:spChg>
+        <pc:spChg chg="mod">
+          <ac:chgData name="Jacob Lie" userId="bdcf7bb32438130b" providerId="LiveId" clId="{60A3B0E6-5382-4C84-8AD6-2FA89F9A043C}" dt="2022-03-29T15:23:22.614" v="1" actId="1076"/>
+          <ac:spMkLst>
+            <pc:docMk/>
+            <pc:sldMk cId="3974434827" sldId="256"/>
+            <ac:spMk id="35" creationId="{5F8C1BCA-89D2-4546-B9A3-FC70C41A47F0}"/>
+          </ac:spMkLst>
+        </pc:spChg>
+        <pc:spChg chg="mod">
+          <ac:chgData name="Jacob Lie" userId="bdcf7bb32438130b" providerId="LiveId" clId="{60A3B0E6-5382-4C84-8AD6-2FA89F9A043C}" dt="2022-03-29T15:25:12.877" v="29" actId="1076"/>
+          <ac:spMkLst>
+            <pc:docMk/>
+            <pc:sldMk cId="3974434827" sldId="256"/>
+            <ac:spMk id="36" creationId="{F2A6FCA4-D314-457D-8142-02A7F11D93EF}"/>
+          </ac:spMkLst>
+        </pc:spChg>
+        <pc:spChg chg="mod">
+          <ac:chgData name="Jacob Lie" userId="bdcf7bb32438130b" providerId="LiveId" clId="{60A3B0E6-5382-4C84-8AD6-2FA89F9A043C}" dt="2022-03-29T15:25:17.236" v="30" actId="1076"/>
+          <ac:spMkLst>
+            <pc:docMk/>
+            <pc:sldMk cId="3974434827" sldId="256"/>
+            <ac:spMk id="38" creationId="{4614AD3E-DBE1-48EC-A461-8BFBFF3CABC7}"/>
+          </ac:spMkLst>
+        </pc:spChg>
+        <pc:spChg chg="mod">
+          <ac:chgData name="Jacob Lie" userId="bdcf7bb32438130b" providerId="LiveId" clId="{60A3B0E6-5382-4C84-8AD6-2FA89F9A043C}" dt="2022-03-29T15:24:04.716" v="10" actId="1076"/>
+          <ac:spMkLst>
+            <pc:docMk/>
+            <pc:sldMk cId="3974434827" sldId="256"/>
+            <ac:spMk id="42" creationId="{2FD10179-47D0-447C-9F10-082CEE7ADB2C}"/>
+          </ac:spMkLst>
+        </pc:spChg>
+        <pc:spChg chg="mod">
+          <ac:chgData name="Jacob Lie" userId="bdcf7bb32438130b" providerId="LiveId" clId="{60A3B0E6-5382-4C84-8AD6-2FA89F9A043C}" dt="2022-03-29T15:23:58.788" v="9" actId="1076"/>
+          <ac:spMkLst>
+            <pc:docMk/>
+            <pc:sldMk cId="3974434827" sldId="256"/>
+            <ac:spMk id="45" creationId="{7A5179B1-C829-4FF0-A1CB-F735889913B7}"/>
+          </ac:spMkLst>
+        </pc:spChg>
+        <pc:spChg chg="mod">
+          <ac:chgData name="Jacob Lie" userId="bdcf7bb32438130b" providerId="LiveId" clId="{60A3B0E6-5382-4C84-8AD6-2FA89F9A043C}" dt="2022-03-29T15:23:50.303" v="8" actId="14100"/>
+          <ac:spMkLst>
+            <pc:docMk/>
+            <pc:sldMk cId="3974434827" sldId="256"/>
+            <ac:spMk id="46" creationId="{6AC37BBB-DF56-47BF-9A8A-EB6F47DE1E30}"/>
+          </ac:spMkLst>
+        </pc:spChg>
+        <pc:spChg chg="mod">
+          <ac:chgData name="Jacob Lie" userId="bdcf7bb32438130b" providerId="LiveId" clId="{60A3B0E6-5382-4C84-8AD6-2FA89F9A043C}" dt="2022-03-29T15:25:22.908" v="31" actId="1076"/>
+          <ac:spMkLst>
+            <pc:docMk/>
+            <pc:sldMk cId="3974434827" sldId="256"/>
+            <ac:spMk id="47" creationId="{F546C5FD-5F7A-4097-8E02-33E50EDCA712}"/>
+          </ac:spMkLst>
+        </pc:spChg>
+        <pc:spChg chg="mod">
+          <ac:chgData name="Jacob Lie" userId="bdcf7bb32438130b" providerId="LiveId" clId="{60A3B0E6-5382-4C84-8AD6-2FA89F9A043C}" dt="2022-03-29T15:24:11.780" v="12" actId="1076"/>
+          <ac:spMkLst>
+            <pc:docMk/>
+            <pc:sldMk cId="3974434827" sldId="256"/>
+            <ac:spMk id="48" creationId="{789CBF9D-6245-4807-B4C5-5E81C16AFAA7}"/>
+          </ac:spMkLst>
+        </pc:spChg>
+        <pc:cxnChg chg="mod">
+          <ac:chgData name="Jacob Lie" userId="bdcf7bb32438130b" providerId="LiveId" clId="{60A3B0E6-5382-4C84-8AD6-2FA89F9A043C}" dt="2022-03-29T15:24:27.780" v="15" actId="1076"/>
+          <ac:cxnSpMkLst>
+            <pc:docMk/>
+            <pc:sldMk cId="3974434827" sldId="256"/>
+            <ac:cxnSpMk id="12" creationId="{A93B0227-29C9-478A-804E-758AEBE2F8EA}"/>
+          </ac:cxnSpMkLst>
+        </pc:cxnChg>
+        <pc:cxnChg chg="mod">
+          <ac:chgData name="Jacob Lie" userId="bdcf7bb32438130b" providerId="LiveId" clId="{60A3B0E6-5382-4C84-8AD6-2FA89F9A043C}" dt="2022-03-29T15:24:30.885" v="16" actId="14100"/>
+          <ac:cxnSpMkLst>
+            <pc:docMk/>
+            <pc:sldMk cId="3974434827" sldId="256"/>
+            <ac:cxnSpMk id="14" creationId="{20368F73-C894-4DD1-8FDC-672FFD57E9DB}"/>
+          </ac:cxnSpMkLst>
+        </pc:cxnChg>
+        <pc:cxnChg chg="mod">
+          <ac:chgData name="Jacob Lie" userId="bdcf7bb32438130b" providerId="LiveId" clId="{60A3B0E6-5382-4C84-8AD6-2FA89F9A043C}" dt="2022-03-29T15:24:35.812" v="17" actId="1076"/>
+          <ac:cxnSpMkLst>
+            <pc:docMk/>
+            <pc:sldMk cId="3974434827" sldId="256"/>
+            <ac:cxnSpMk id="40" creationId="{A3FA25F2-CE09-4AF6-B7BA-C8C0CDCC6B83}"/>
+          </ac:cxnSpMkLst>
+        </pc:cxnChg>
+        <pc:cxnChg chg="mod">
+          <ac:chgData name="Jacob Lie" userId="bdcf7bb32438130b" providerId="LiveId" clId="{60A3B0E6-5382-4C84-8AD6-2FA89F9A043C}" dt="2022-03-29T15:23:50.303" v="8" actId="14100"/>
+          <ac:cxnSpMkLst>
+            <pc:docMk/>
+            <pc:sldMk cId="3974434827" sldId="256"/>
+            <ac:cxnSpMk id="50" creationId="{4CBD5E1D-92BB-4065-B7FE-F1D59B009335}"/>
+          </ac:cxnSpMkLst>
+        </pc:cxnChg>
+      </pc:sldChg>
+    </pc:docChg>
+  </pc:docChgLst>
+</pc:chgInfo>
 </file>
 
 <file path=ppt/slideLayouts/slideLayout1.xml><?xml version="1.0" encoding="utf-8"?>
@@ -254,7 +384,7 @@
           <a:p>
             <a:fld id="{C4C3A651-A80F-45BA-8516-83F1816B3CAF}" type="datetimeFigureOut">
               <a:rPr lang="en-US" smtClean="0"/>
-              <a:t>24-Mar-22</a:t>
+              <a:t>29-Mar-22</a:t>
             </a:fld>
             <a:endParaRPr lang="en-US"/>
           </a:p>
@@ -452,7 +582,7 @@
           <a:p>
             <a:fld id="{C4C3A651-A80F-45BA-8516-83F1816B3CAF}" type="datetimeFigureOut">
               <a:rPr lang="en-US" smtClean="0"/>
-              <a:t>24-Mar-22</a:t>
+              <a:t>29-Mar-22</a:t>
             </a:fld>
             <a:endParaRPr lang="en-US"/>
           </a:p>
@@ -660,7 +790,7 @@
           <a:p>
             <a:fld id="{C4C3A651-A80F-45BA-8516-83F1816B3CAF}" type="datetimeFigureOut">
               <a:rPr lang="en-US" smtClean="0"/>
-              <a:t>24-Mar-22</a:t>
+              <a:t>29-Mar-22</a:t>
             </a:fld>
             <a:endParaRPr lang="en-US"/>
           </a:p>
@@ -858,7 +988,7 @@
           <a:p>
             <a:fld id="{C4C3A651-A80F-45BA-8516-83F1816B3CAF}" type="datetimeFigureOut">
               <a:rPr lang="en-US" smtClean="0"/>
-              <a:t>24-Mar-22</a:t>
+              <a:t>29-Mar-22</a:t>
             </a:fld>
             <a:endParaRPr lang="en-US"/>
           </a:p>
@@ -1133,7 +1263,7 @@
           <a:p>
             <a:fld id="{C4C3A651-A80F-45BA-8516-83F1816B3CAF}" type="datetimeFigureOut">
               <a:rPr lang="en-US" smtClean="0"/>
-              <a:t>24-Mar-22</a:t>
+              <a:t>29-Mar-22</a:t>
             </a:fld>
             <a:endParaRPr lang="en-US"/>
           </a:p>
@@ -1398,7 +1528,7 @@
           <a:p>
             <a:fld id="{C4C3A651-A80F-45BA-8516-83F1816B3CAF}" type="datetimeFigureOut">
               <a:rPr lang="en-US" smtClean="0"/>
-              <a:t>24-Mar-22</a:t>
+              <a:t>29-Mar-22</a:t>
             </a:fld>
             <a:endParaRPr lang="en-US"/>
           </a:p>
@@ -1810,7 +1940,7 @@
           <a:p>
             <a:fld id="{C4C3A651-A80F-45BA-8516-83F1816B3CAF}" type="datetimeFigureOut">
               <a:rPr lang="en-US" smtClean="0"/>
-              <a:t>24-Mar-22</a:t>
+              <a:t>29-Mar-22</a:t>
             </a:fld>
             <a:endParaRPr lang="en-US"/>
           </a:p>
@@ -1951,7 +2081,7 @@
           <a:p>
             <a:fld id="{C4C3A651-A80F-45BA-8516-83F1816B3CAF}" type="datetimeFigureOut">
               <a:rPr lang="en-US" smtClean="0"/>
-              <a:t>24-Mar-22</a:t>
+              <a:t>29-Mar-22</a:t>
             </a:fld>
             <a:endParaRPr lang="en-US"/>
           </a:p>
@@ -2064,7 +2194,7 @@
           <a:p>
             <a:fld id="{C4C3A651-A80F-45BA-8516-83F1816B3CAF}" type="datetimeFigureOut">
               <a:rPr lang="en-US" smtClean="0"/>
-              <a:t>24-Mar-22</a:t>
+              <a:t>29-Mar-22</a:t>
             </a:fld>
             <a:endParaRPr lang="en-US"/>
           </a:p>
@@ -2375,7 +2505,7 @@
           <a:p>
             <a:fld id="{C4C3A651-A80F-45BA-8516-83F1816B3CAF}" type="datetimeFigureOut">
               <a:rPr lang="en-US" smtClean="0"/>
-              <a:t>24-Mar-22</a:t>
+              <a:t>29-Mar-22</a:t>
             </a:fld>
             <a:endParaRPr lang="en-US"/>
           </a:p>
@@ -2663,7 +2793,7 @@
           <a:p>
             <a:fld id="{C4C3A651-A80F-45BA-8516-83F1816B3CAF}" type="datetimeFigureOut">
               <a:rPr lang="en-US" smtClean="0"/>
-              <a:t>24-Mar-22</a:t>
+              <a:t>29-Mar-22</a:t>
             </a:fld>
             <a:endParaRPr lang="en-US"/>
           </a:p>
@@ -2904,7 +3034,7 @@
           <a:p>
             <a:fld id="{C4C3A651-A80F-45BA-8516-83F1816B3CAF}" type="datetimeFigureOut">
               <a:rPr lang="en-US" smtClean="0"/>
-              <a:t>24-Mar-22</a:t>
+              <a:t>29-Mar-22</a:t>
             </a:fld>
             <a:endParaRPr lang="en-US"/>
           </a:p>
@@ -3337,7 +3467,7 @@
         </p:nvCxnSpPr>
         <p:spPr>
           <a:xfrm>
-            <a:off x="1970843" y="4208016"/>
+            <a:off x="1970842" y="4634144"/>
             <a:ext cx="2923714" cy="0"/>
           </a:xfrm>
           <a:prstGeom prst="line">
@@ -3375,9 +3505,9 @@
           <p:nvPr/>
         </p:nvCxnSpPr>
         <p:spPr>
-          <a:xfrm>
-            <a:off x="1970843" y="4208016"/>
-            <a:ext cx="0" cy="1447060"/>
+          <a:xfrm flipH="1">
+            <a:off x="1970843" y="4634144"/>
+            <a:ext cx="8163" cy="1020932"/>
           </a:xfrm>
           <a:prstGeom prst="line">
             <a:avLst/>
@@ -3488,8 +3618,8 @@
           <p:nvPr/>
         </p:nvSpPr>
         <p:spPr>
-          <a:xfrm rot="20955251">
-            <a:off x="4025475" y="5200418"/>
+          <a:xfrm>
+            <a:off x="4103004" y="5229219"/>
             <a:ext cx="534880" cy="408375"/>
           </a:xfrm>
           <a:prstGeom prst="ellipse">
@@ -3569,8 +3699,8 @@
           <p:nvPr/>
         </p:nvSpPr>
         <p:spPr>
-          <a:xfrm rot="20955251">
-            <a:off x="4312045" y="4964551"/>
+          <a:xfrm>
+            <a:off x="4338278" y="5229220"/>
             <a:ext cx="2423604" cy="408375"/>
           </a:xfrm>
           <a:prstGeom prst="rect">
@@ -3648,8 +3778,8 @@
         </p:nvSpPr>
         <p:spPr>
           <a:xfrm>
-            <a:off x="3680236" y="5019884"/>
-            <a:ext cx="601645" cy="769441"/>
+            <a:off x="3903636" y="5277405"/>
+            <a:ext cx="601645" cy="461665"/>
           </a:xfrm>
           <a:prstGeom prst="rect">
             <a:avLst/>
@@ -3663,12 +3793,12 @@
           <a:lstStyle/>
           <a:p>
             <a:r>
-              <a:rPr lang="nb-NO" sz="4400" dirty="0">
+              <a:rPr lang="nb-NO" sz="2400" b="1" dirty="0">
                 <a:latin typeface="+mj-lt"/>
               </a:rPr>
               <a:t>{</a:t>
             </a:r>
-            <a:endParaRPr lang="en-US" sz="4400" dirty="0">
+            <a:endParaRPr lang="en-US" sz="2400" b="1" dirty="0">
               <a:latin typeface="+mj-lt"/>
             </a:endParaRPr>
           </a:p>
@@ -3688,7 +3818,7 @@
         </p:nvSpPr>
         <p:spPr>
           <a:xfrm>
-            <a:off x="3520372" y="5248762"/>
+            <a:off x="3748507" y="5324890"/>
             <a:ext cx="341802" cy="366694"/>
           </a:xfrm>
           <a:prstGeom prst="rect">
@@ -3724,7 +3854,7 @@
         </p:nvCxnSpPr>
         <p:spPr>
           <a:xfrm>
-            <a:off x="4894557" y="4208016"/>
+            <a:off x="4900476" y="4634144"/>
             <a:ext cx="82857" cy="179257"/>
           </a:xfrm>
           <a:prstGeom prst="line">
@@ -3761,7 +3891,7 @@
         </p:nvSpPr>
         <p:spPr>
           <a:xfrm>
-            <a:off x="6714836" y="4640450"/>
+            <a:off x="6773596" y="5138204"/>
             <a:ext cx="4692073" cy="1270823"/>
           </a:xfrm>
           <a:custGeom>
@@ -3847,7 +3977,7 @@
         </p:nvSpPr>
         <p:spPr>
           <a:xfrm>
-            <a:off x="6733309" y="4864521"/>
+            <a:off x="6767370" y="5382357"/>
             <a:ext cx="4507346" cy="1286897"/>
           </a:xfrm>
           <a:custGeom>
@@ -3932,9 +4062,9 @@
           <p:nvPr/>
         </p:nvSpPr>
         <p:spPr>
-          <a:xfrm rot="20967373">
-            <a:off x="4110943" y="5403584"/>
-            <a:ext cx="215621" cy="45719"/>
+          <a:xfrm>
+            <a:off x="4110361" y="5403584"/>
+            <a:ext cx="216203" cy="45719"/>
           </a:xfrm>
           <a:prstGeom prst="rect">
             <a:avLst/>
@@ -3987,7 +4117,7 @@
         </p:nvSpPr>
         <p:spPr>
           <a:xfrm>
-            <a:off x="1970842" y="3858119"/>
+            <a:off x="1984926" y="4284385"/>
             <a:ext cx="1778826" cy="369332"/>
           </a:xfrm>
           <a:prstGeom prst="rect">
@@ -4022,8 +4152,8 @@
           <p:nvPr/>
         </p:nvSpPr>
         <p:spPr>
-          <a:xfrm rot="21078787">
-            <a:off x="5513838" y="4297644"/>
+          <a:xfrm>
+            <a:off x="5407306" y="4783320"/>
             <a:ext cx="2567709" cy="369332"/>
           </a:xfrm>
           <a:prstGeom prst="rect">
@@ -4062,8 +4192,8 @@
         </p:nvCxnSpPr>
         <p:spPr>
           <a:xfrm flipV="1">
-            <a:off x="3895473" y="5448917"/>
-            <a:ext cx="327464" cy="618106"/>
+            <a:off x="3895473" y="5449303"/>
+            <a:ext cx="322990" cy="617720"/>
           </a:xfrm>
           <a:prstGeom prst="straightConnector1">
             <a:avLst/>
